--- a/Presentations/Presentation01.pptx
+++ b/Presentations/Presentation01.pptx
@@ -5,10 +5,10 @@
     <p:sldMasterId id="2147483657" r:id="rId4"/>
   </p:sldMasterIdLst>
   <p:notesMasterIdLst>
-    <p:notesMasterId r:id="rId14"/>
+    <p:notesMasterId r:id="rId15"/>
   </p:notesMasterIdLst>
   <p:handoutMasterIdLst>
-    <p:handoutMasterId r:id="rId15"/>
+    <p:handoutMasterId r:id="rId16"/>
   </p:handoutMasterIdLst>
   <p:sldIdLst>
     <p:sldId id="256" r:id="rId5"/>
@@ -20,6 +20,7 @@
     <p:sldId id="257" r:id="rId11"/>
     <p:sldId id="263" r:id="rId12"/>
     <p:sldId id="264" r:id="rId13"/>
+    <p:sldId id="301" r:id="rId14"/>
   </p:sldIdLst>
   <p:sldSz cx="12192000" cy="6858000"/>
   <p:notesSz cx="6858000" cy="9144000"/>
@@ -6750,6 +6751,255 @@
     <p:extLst>
       <p:ext uri="{BB962C8B-B14F-4D97-AF65-F5344CB8AC3E}">
         <p14:creationId xmlns:p14="http://schemas.microsoft.com/office/powerpoint/2010/main" val="3039613349"/>
+      </p:ext>
+    </p:extLst>
+  </p:cSld>
+  <p:clrMapOvr>
+    <a:masterClrMapping/>
+  </p:clrMapOvr>
+</p:sld>
+</file>
+
+<file path=ppt/slides/slide10.xml><?xml version="1.0" encoding="utf-8"?>
+<p:sld xmlns:a="http://schemas.openxmlformats.org/drawingml/2006/main" xmlns:r="http://schemas.openxmlformats.org/officeDocument/2006/relationships" xmlns:p="http://schemas.openxmlformats.org/presentationml/2006/main">
+  <p:cSld>
+    <p:spTree>
+      <p:nvGrpSpPr>
+        <p:cNvPr id="1" name="">
+          <a:extLst>
+            <a:ext uri="{FF2B5EF4-FFF2-40B4-BE49-F238E27FC236}">
+              <a16:creationId xmlns:a16="http://schemas.microsoft.com/office/drawing/2014/main" id="{613C6720-E3DD-2E6C-61C8-2FFE890DBCA5}"/>
+            </a:ext>
+          </a:extLst>
+        </p:cNvPr>
+        <p:cNvGrpSpPr/>
+        <p:nvPr/>
+      </p:nvGrpSpPr>
+      <p:grpSpPr>
+        <a:xfrm>
+          <a:off x="0" y="0"/>
+          <a:ext cx="0" cy="0"/>
+          <a:chOff x="0" y="0"/>
+          <a:chExt cx="0" cy="0"/>
+        </a:xfrm>
+      </p:grpSpPr>
+      <p:sp>
+        <p:nvSpPr>
+          <p:cNvPr id="2" name="Zástupný symbol pro zápatí 1">
+            <a:extLst>
+              <a:ext uri="{FF2B5EF4-FFF2-40B4-BE49-F238E27FC236}">
+                <a16:creationId xmlns:a16="http://schemas.microsoft.com/office/drawing/2014/main" id="{89DE4C32-F564-D6D2-8F4D-FB0301E3C8B4}"/>
+              </a:ext>
+            </a:extLst>
+          </p:cNvPr>
+          <p:cNvSpPr>
+            <a:spLocks noGrp="1"/>
+          </p:cNvSpPr>
+          <p:nvPr>
+            <p:ph type="ftr" sz="quarter" idx="10"/>
+          </p:nvPr>
+        </p:nvSpPr>
+        <p:spPr/>
+        <p:txBody>
+          <a:bodyPr/>
+          <a:lstStyle/>
+          <a:p>
+            <a:r>
+              <a:rPr lang="cs-CZ" dirty="0"/>
+              <a:t>PV293 - Softwarové architektury</a:t>
+            </a:r>
+          </a:p>
+        </p:txBody>
+      </p:sp>
+      <p:sp>
+        <p:nvSpPr>
+          <p:cNvPr id="3" name="Zástupný symbol pro číslo snímku 2">
+            <a:extLst>
+              <a:ext uri="{FF2B5EF4-FFF2-40B4-BE49-F238E27FC236}">
+                <a16:creationId xmlns:a16="http://schemas.microsoft.com/office/drawing/2014/main" id="{059296AD-B9C8-D099-B6C4-6F6CB3E81512}"/>
+              </a:ext>
+            </a:extLst>
+          </p:cNvPr>
+          <p:cNvSpPr>
+            <a:spLocks noGrp="1"/>
+          </p:cNvSpPr>
+          <p:nvPr>
+            <p:ph type="sldNum" sz="quarter" idx="11"/>
+          </p:nvPr>
+        </p:nvSpPr>
+        <p:spPr/>
+        <p:txBody>
+          <a:bodyPr/>
+          <a:lstStyle/>
+          <a:p>
+            <a:fld id="{0970407D-EE58-4A0B-824B-1D3AE42DD9CF}" type="slidenum">
+              <a:rPr lang="en-GB" altLang="cs-CZ" noProof="0" smtClean="0"/>
+              <a:pPr/>
+              <a:t>10</a:t>
+            </a:fld>
+            <a:endParaRPr lang="en-GB" altLang="cs-CZ" noProof="0" dirty="0"/>
+          </a:p>
+        </p:txBody>
+      </p:sp>
+      <p:sp>
+        <p:nvSpPr>
+          <p:cNvPr id="4" name="Nadpis 3">
+            <a:extLst>
+              <a:ext uri="{FF2B5EF4-FFF2-40B4-BE49-F238E27FC236}">
+                <a16:creationId xmlns:a16="http://schemas.microsoft.com/office/drawing/2014/main" id="{7D6F78C6-66D8-47A1-BC33-2C6D8A1E9388}"/>
+              </a:ext>
+            </a:extLst>
+          </p:cNvPr>
+          <p:cNvSpPr>
+            <a:spLocks noGrp="1"/>
+          </p:cNvSpPr>
+          <p:nvPr>
+            <p:ph type="title"/>
+          </p:nvPr>
+        </p:nvSpPr>
+        <p:spPr/>
+        <p:txBody>
+          <a:bodyPr/>
+          <a:lstStyle/>
+          <a:p>
+            <a:r>
+              <a:rPr lang="cs-CZ" dirty="0"/>
+              <a:t>Doporučená literatura k předmětu</a:t>
+            </a:r>
+            <a:endParaRPr lang="en-US" dirty="0"/>
+          </a:p>
+        </p:txBody>
+      </p:sp>
+      <p:sp>
+        <p:nvSpPr>
+          <p:cNvPr id="6" name="Zástupný obsah 5">
+            <a:extLst>
+              <a:ext uri="{FF2B5EF4-FFF2-40B4-BE49-F238E27FC236}">
+                <a16:creationId xmlns:a16="http://schemas.microsoft.com/office/drawing/2014/main" id="{7DF8DA24-E6AC-1C13-AC55-B6E601B2231F}"/>
+              </a:ext>
+            </a:extLst>
+          </p:cNvPr>
+          <p:cNvSpPr>
+            <a:spLocks noGrp="1"/>
+          </p:cNvSpPr>
+          <p:nvPr>
+            <p:ph idx="1"/>
+          </p:nvPr>
+        </p:nvSpPr>
+        <p:spPr/>
+        <p:txBody>
+          <a:bodyPr/>
+          <a:lstStyle/>
+          <a:p>
+            <a:pPr>
+              <a:lnSpc>
+                <a:spcPct val="150000"/>
+              </a:lnSpc>
+            </a:pPr>
+            <a:r>
+              <a:rPr lang="en-US" sz="2400" dirty="0"/>
+              <a:t>Domain-Driven Design Distilled</a:t>
+            </a:r>
+            <a:r>
+              <a:rPr lang="cs-CZ" sz="2400" dirty="0"/>
+              <a:t> - </a:t>
+            </a:r>
+            <a:r>
+              <a:rPr lang="cs-CZ" sz="2400" dirty="0" err="1"/>
+              <a:t>Vaughn</a:t>
+            </a:r>
+            <a:r>
+              <a:rPr lang="cs-CZ" sz="2400" dirty="0"/>
+              <a:t> </a:t>
+            </a:r>
+            <a:r>
+              <a:rPr lang="cs-CZ" sz="2400" dirty="0" err="1"/>
+              <a:t>Vernon</a:t>
+            </a:r>
+            <a:endParaRPr lang="cs-CZ" sz="2400" dirty="0"/>
+          </a:p>
+          <a:p>
+            <a:pPr>
+              <a:lnSpc>
+                <a:spcPct val="150000"/>
+              </a:lnSpc>
+            </a:pPr>
+            <a:r>
+              <a:rPr lang="cs-CZ" sz="2400" dirty="0"/>
+              <a:t>Learning </a:t>
+            </a:r>
+            <a:r>
+              <a:rPr lang="cs-CZ" sz="2400" dirty="0" err="1"/>
+              <a:t>Domain-Driven</a:t>
+            </a:r>
+            <a:r>
+              <a:rPr lang="cs-CZ" sz="2400" dirty="0"/>
+              <a:t> Design -  </a:t>
+            </a:r>
+            <a:r>
+              <a:rPr lang="cs-CZ" sz="2400" dirty="0" err="1"/>
+              <a:t>Vlad</a:t>
+            </a:r>
+            <a:r>
+              <a:rPr lang="cs-CZ" sz="2400" dirty="0"/>
+              <a:t> </a:t>
+            </a:r>
+            <a:r>
+              <a:rPr lang="cs-CZ" sz="2400" dirty="0" err="1"/>
+              <a:t>Khononov</a:t>
+            </a:r>
+            <a:endParaRPr lang="cs-CZ" sz="2400" dirty="0"/>
+          </a:p>
+          <a:p>
+            <a:pPr>
+              <a:lnSpc>
+                <a:spcPct val="150000"/>
+              </a:lnSpc>
+            </a:pPr>
+            <a:r>
+              <a:rPr lang="en-US" sz="2400" dirty="0"/>
+              <a:t>Master Software Architecture: A Pragmatic Guide</a:t>
+            </a:r>
+            <a:r>
+              <a:rPr lang="cs-CZ" sz="2400" dirty="0"/>
+              <a:t> - Maciej </a:t>
+            </a:r>
+            <a:r>
+              <a:rPr lang="cs-CZ" sz="2400" dirty="0" err="1"/>
+              <a:t>Jedrzejewski</a:t>
+            </a:r>
+            <a:endParaRPr lang="cs-CZ" sz="2400" dirty="0"/>
+          </a:p>
+          <a:p>
+            <a:pPr>
+              <a:lnSpc>
+                <a:spcPct val="150000"/>
+              </a:lnSpc>
+            </a:pPr>
+            <a:r>
+              <a:rPr lang="cs-CZ" sz="2400" dirty="0"/>
+              <a:t>Publikace od Oskara </a:t>
+            </a:r>
+            <a:r>
+              <a:rPr lang="cs-CZ" sz="2400" dirty="0" err="1"/>
+              <a:t>Dudycze</a:t>
+            </a:r>
+            <a:endParaRPr lang="cs-CZ" sz="2400" dirty="0"/>
+          </a:p>
+          <a:p>
+            <a:pPr>
+              <a:lnSpc>
+                <a:spcPct val="150000"/>
+              </a:lnSpc>
+            </a:pPr>
+            <a:endParaRPr lang="en-US" sz="2400" dirty="0"/>
+          </a:p>
+        </p:txBody>
+      </p:sp>
+    </p:spTree>
+    <p:extLst>
+      <p:ext uri="{BB962C8B-B14F-4D97-AF65-F5344CB8AC3E}">
+        <p14:creationId xmlns:p14="http://schemas.microsoft.com/office/powerpoint/2010/main" val="757782244"/>
       </p:ext>
     </p:extLst>
   </p:cSld>
@@ -12581,6 +12831,15 @@
 </file>
 
 <file path=customXml/item1.xml><?xml version="1.0" encoding="utf-8"?>
+<?mso-contentType ?>
+<FormTemplates xmlns="http://schemas.microsoft.com/sharepoint/v3/contenttype/forms">
+  <Display>DocumentLibraryForm</Display>
+  <Edit>DocumentLibraryForm</Edit>
+  <New>DocumentLibraryForm</New>
+</FormTemplates>
+</file>
+
+<file path=customXml/item2.xml><?xml version="1.0" encoding="utf-8"?>
 <ct:contentTypeSchema xmlns:ct="http://schemas.microsoft.com/office/2006/metadata/contentType" xmlns:ma="http://schemas.microsoft.com/office/2006/metadata/properties/metaAttributes" ct:_="" ma:_="" ma:contentTypeName="Dokument" ma:contentTypeID="0x01010014C625F8BF61ED48BCD052DC90292957" ma:contentTypeVersion="17" ma:contentTypeDescription="Vytvoří nový dokument" ma:contentTypeScope="" ma:versionID="e0d329bf29da5bff5fb53bfb63aa2157">
   <xsd:schema xmlns:xsd="http://www.w3.org/2001/XMLSchema" xmlns:xs="http://www.w3.org/2001/XMLSchema" xmlns:p="http://schemas.microsoft.com/office/2006/metadata/properties" xmlns:ns3="c8f3fc2c-a3ba-4a56-b225-dd01e3cef7b1" xmlns:ns4="1b03cdca-bcb3-481d-aaaa-ac59088b2c30" targetNamespace="http://schemas.microsoft.com/office/2006/metadata/properties" ma:root="true" ma:fieldsID="f66ee75d19c7bdf9cc98c4c53bd8eb3d" ns3:_="" ns4:_="">
     <xsd:import namespace="c8f3fc2c-a3ba-4a56-b225-dd01e3cef7b1"/>
@@ -12827,15 +13086,6 @@
 </ct:contentTypeSchema>
 </file>
 
-<file path=customXml/item2.xml><?xml version="1.0" encoding="utf-8"?>
-<?mso-contentType ?>
-<FormTemplates xmlns="http://schemas.microsoft.com/sharepoint/v3/contenttype/forms">
-  <Display>DocumentLibraryForm</Display>
-  <Edit>DocumentLibraryForm</Edit>
-  <New>DocumentLibraryForm</New>
-</FormTemplates>
-</file>
-
 <file path=customXml/item3.xml><?xml version="1.0" encoding="utf-8"?>
 <p:properties xmlns:p="http://schemas.microsoft.com/office/2006/metadata/properties" xmlns:xsi="http://www.w3.org/2001/XMLSchema-instance" xmlns:pc="http://schemas.microsoft.com/office/infopath/2007/PartnerControls">
   <documentManagement>
@@ -12845,6 +13095,14 @@
 </file>
 
 <file path=customXml/itemProps1.xml><?xml version="1.0" encoding="utf-8"?>
+<ds:datastoreItem xmlns:ds="http://schemas.openxmlformats.org/officeDocument/2006/customXml" ds:itemID="{DD470258-C907-4A62-B6C3-E0C32F10A7DD}">
+  <ds:schemaRefs>
+    <ds:schemaRef ds:uri="http://schemas.microsoft.com/sharepoint/v3/contenttype/forms"/>
+  </ds:schemaRefs>
+</ds:datastoreItem>
+</file>
+
+<file path=customXml/itemProps2.xml><?xml version="1.0" encoding="utf-8"?>
 <ds:datastoreItem xmlns:ds="http://schemas.openxmlformats.org/officeDocument/2006/customXml" ds:itemID="{45A9A9D0-5E47-4D99-A339-3EDFE24EAE29}">
   <ds:schemaRefs>
     <ds:schemaRef ds:uri="http://schemas.microsoft.com/office/2006/metadata/contentType"/>
@@ -12859,14 +13117,6 @@
     <ds:schemaRef ds:uri="http://purl.org/dc/elements/1.1/"/>
     <ds:schemaRef ds:uri="http://purl.org/dc/terms/"/>
     <ds:schemaRef ds:uri="http://schemas.microsoft.com/internal/obd"/>
-  </ds:schemaRefs>
-</ds:datastoreItem>
-</file>
-
-<file path=customXml/itemProps2.xml><?xml version="1.0" encoding="utf-8"?>
-<ds:datastoreItem xmlns:ds="http://schemas.openxmlformats.org/officeDocument/2006/customXml" ds:itemID="{DD470258-C907-4A62-B6C3-E0C32F10A7DD}">
-  <ds:schemaRefs>
-    <ds:schemaRef ds:uri="http://schemas.microsoft.com/sharepoint/v3/contenttype/forms"/>
   </ds:schemaRefs>
 </ds:datastoreItem>
 </file>
